--- a/Lectures/02_paskaita (Masyvai, ciklai).pptx
+++ b/Lectures/02_paskaita (Masyvai, ciklai).pptx
@@ -239,7 +239,7 @@
           <a:p>
             <a:fld id="{F1A35766-5C6C-4846-8A3C-0EFBE976AF40}" type="datetimeFigureOut">
               <a:rPr lang="en-LT" smtClean="0"/>
-              <a:t>2023-06-08</a:t>
+              <a:t>2023-06-12</a:t>
             </a:fld>
             <a:endParaRPr lang="en-LT"/>
           </a:p>
@@ -8346,6 +8346,582 @@
     <p:extLst>
       <p:ext uri="{BB962C8B-B14F-4D97-AF65-F5344CB8AC3E}">
         <p14:creationId xmlns:p14="http://schemas.microsoft.com/office/powerpoint/2010/main" val="3155681638"/>
+      </p:ext>
+    </p:extLst>
+  </p:cSld>
+  <p:clrMapOvr>
+    <a:masterClrMapping/>
+  </p:clrMapOvr>
+</p:notes>
+</file>
+
+<file path=ppt/notesSlides/notesSlide23.xml><?xml version="1.0" encoding="utf-8"?>
+<p:notes xmlns:a="http://schemas.openxmlformats.org/drawingml/2006/main" xmlns:r="http://schemas.openxmlformats.org/officeDocument/2006/relationships" xmlns:p="http://schemas.openxmlformats.org/presentationml/2006/main">
+  <p:cSld>
+    <p:spTree>
+      <p:nvGrpSpPr>
+        <p:cNvPr id="1" name=""/>
+        <p:cNvGrpSpPr/>
+        <p:nvPr/>
+      </p:nvGrpSpPr>
+      <p:grpSpPr>
+        <a:xfrm>
+          <a:off x="0" y="0"/>
+          <a:ext cx="0" cy="0"/>
+          <a:chOff x="0" y="0"/>
+          <a:chExt cx="0" cy="0"/>
+        </a:xfrm>
+      </p:grpSpPr>
+      <p:sp>
+        <p:nvSpPr>
+          <p:cNvPr id="2" name="Slide Image Placeholder 1"/>
+          <p:cNvSpPr>
+            <a:spLocks noGrp="1" noRot="1" noChangeAspect="1"/>
+          </p:cNvSpPr>
+          <p:nvPr>
+            <p:ph type="sldImg"/>
+          </p:nvPr>
+        </p:nvSpPr>
+        <p:spPr/>
+      </p:sp>
+      <p:sp>
+        <p:nvSpPr>
+          <p:cNvPr id="3" name="Notes Placeholder 2"/>
+          <p:cNvSpPr>
+            <a:spLocks noGrp="1"/>
+          </p:cNvSpPr>
+          <p:nvPr>
+            <p:ph type="body" idx="1"/>
+          </p:nvPr>
+        </p:nvSpPr>
+        <p:spPr/>
+        <p:txBody>
+          <a:bodyPr/>
+          <a:lstStyle/>
+          <a:p>
+            <a:r>
+              <a:rPr lang="en-GB" dirty="0"/>
+              <a:t>https://</a:t>
+            </a:r>
+            <a:r>
+              <a:rPr lang="en-GB" dirty="0" err="1"/>
+              <a:t>github.com</a:t>
+            </a:r>
+            <a:r>
+              <a:rPr lang="en-GB" dirty="0"/>
+              <a:t>/aurimas13/Python-Beginner-Course/blob/main/Programs/02_lecture_problem_no_1_LT.py</a:t>
+            </a:r>
+            <a:endParaRPr lang="en-LT" dirty="0"/>
+          </a:p>
+        </p:txBody>
+      </p:sp>
+      <p:sp>
+        <p:nvSpPr>
+          <p:cNvPr id="4" name="Slide Number Placeholder 3"/>
+          <p:cNvSpPr>
+            <a:spLocks noGrp="1"/>
+          </p:cNvSpPr>
+          <p:nvPr>
+            <p:ph type="sldNum" sz="quarter" idx="5"/>
+          </p:nvPr>
+        </p:nvSpPr>
+        <p:spPr/>
+        <p:txBody>
+          <a:bodyPr/>
+          <a:lstStyle/>
+          <a:p>
+            <a:fld id="{7CFAD278-23F3-3441-9F35-2DADD7772E03}" type="slidenum">
+              <a:rPr lang="en-LT" smtClean="0"/>
+              <a:t>23</a:t>
+            </a:fld>
+            <a:endParaRPr lang="en-LT"/>
+          </a:p>
+        </p:txBody>
+      </p:sp>
+    </p:spTree>
+    <p:extLst>
+      <p:ext uri="{BB962C8B-B14F-4D97-AF65-F5344CB8AC3E}">
+        <p14:creationId xmlns:p14="http://schemas.microsoft.com/office/powerpoint/2010/main" val="602781789"/>
+      </p:ext>
+    </p:extLst>
+  </p:cSld>
+  <p:clrMapOvr>
+    <a:masterClrMapping/>
+  </p:clrMapOvr>
+</p:notes>
+</file>
+
+<file path=ppt/notesSlides/notesSlide24.xml><?xml version="1.0" encoding="utf-8"?>
+<p:notes xmlns:a="http://schemas.openxmlformats.org/drawingml/2006/main" xmlns:r="http://schemas.openxmlformats.org/officeDocument/2006/relationships" xmlns:p="http://schemas.openxmlformats.org/presentationml/2006/main">
+  <p:cSld>
+    <p:spTree>
+      <p:nvGrpSpPr>
+        <p:cNvPr id="1" name=""/>
+        <p:cNvGrpSpPr/>
+        <p:nvPr/>
+      </p:nvGrpSpPr>
+      <p:grpSpPr>
+        <a:xfrm>
+          <a:off x="0" y="0"/>
+          <a:ext cx="0" cy="0"/>
+          <a:chOff x="0" y="0"/>
+          <a:chExt cx="0" cy="0"/>
+        </a:xfrm>
+      </p:grpSpPr>
+      <p:sp>
+        <p:nvSpPr>
+          <p:cNvPr id="2" name="Slide Image Placeholder 1"/>
+          <p:cNvSpPr>
+            <a:spLocks noGrp="1" noRot="1" noChangeAspect="1"/>
+          </p:cNvSpPr>
+          <p:nvPr>
+            <p:ph type="sldImg"/>
+          </p:nvPr>
+        </p:nvSpPr>
+        <p:spPr/>
+      </p:sp>
+      <p:sp>
+        <p:nvSpPr>
+          <p:cNvPr id="3" name="Notes Placeholder 2"/>
+          <p:cNvSpPr>
+            <a:spLocks noGrp="1"/>
+          </p:cNvSpPr>
+          <p:nvPr>
+            <p:ph type="body" idx="1"/>
+          </p:nvPr>
+        </p:nvSpPr>
+        <p:spPr/>
+        <p:txBody>
+          <a:bodyPr/>
+          <a:lstStyle/>
+          <a:p>
+            <a:r>
+              <a:rPr lang="en-GB" dirty="0"/>
+              <a:t>https://</a:t>
+            </a:r>
+            <a:r>
+              <a:rPr lang="en-GB" dirty="0" err="1"/>
+              <a:t>github.com</a:t>
+            </a:r>
+            <a:r>
+              <a:rPr lang="en-GB" dirty="0"/>
+              <a:t>/aurimas13/Python-Beginner-Course/blob/main/Programs/02_lecture_problem_no_2_LT.py</a:t>
+            </a:r>
+            <a:endParaRPr lang="en-LT" dirty="0"/>
+          </a:p>
+        </p:txBody>
+      </p:sp>
+      <p:sp>
+        <p:nvSpPr>
+          <p:cNvPr id="4" name="Slide Number Placeholder 3"/>
+          <p:cNvSpPr>
+            <a:spLocks noGrp="1"/>
+          </p:cNvSpPr>
+          <p:nvPr>
+            <p:ph type="sldNum" sz="quarter" idx="5"/>
+          </p:nvPr>
+        </p:nvSpPr>
+        <p:spPr/>
+        <p:txBody>
+          <a:bodyPr/>
+          <a:lstStyle/>
+          <a:p>
+            <a:fld id="{7CFAD278-23F3-3441-9F35-2DADD7772E03}" type="slidenum">
+              <a:rPr lang="en-LT" smtClean="0"/>
+              <a:t>24</a:t>
+            </a:fld>
+            <a:endParaRPr lang="en-LT"/>
+          </a:p>
+        </p:txBody>
+      </p:sp>
+    </p:spTree>
+    <p:extLst>
+      <p:ext uri="{BB962C8B-B14F-4D97-AF65-F5344CB8AC3E}">
+        <p14:creationId xmlns:p14="http://schemas.microsoft.com/office/powerpoint/2010/main" val="1681469310"/>
+      </p:ext>
+    </p:extLst>
+  </p:cSld>
+  <p:clrMapOvr>
+    <a:masterClrMapping/>
+  </p:clrMapOvr>
+</p:notes>
+</file>
+
+<file path=ppt/notesSlides/notesSlide25.xml><?xml version="1.0" encoding="utf-8"?>
+<p:notes xmlns:a="http://schemas.openxmlformats.org/drawingml/2006/main" xmlns:r="http://schemas.openxmlformats.org/officeDocument/2006/relationships" xmlns:p="http://schemas.openxmlformats.org/presentationml/2006/main">
+  <p:cSld>
+    <p:spTree>
+      <p:nvGrpSpPr>
+        <p:cNvPr id="1" name=""/>
+        <p:cNvGrpSpPr/>
+        <p:nvPr/>
+      </p:nvGrpSpPr>
+      <p:grpSpPr>
+        <a:xfrm>
+          <a:off x="0" y="0"/>
+          <a:ext cx="0" cy="0"/>
+          <a:chOff x="0" y="0"/>
+          <a:chExt cx="0" cy="0"/>
+        </a:xfrm>
+      </p:grpSpPr>
+      <p:sp>
+        <p:nvSpPr>
+          <p:cNvPr id="2" name="Slide Image Placeholder 1"/>
+          <p:cNvSpPr>
+            <a:spLocks noGrp="1" noRot="1" noChangeAspect="1"/>
+          </p:cNvSpPr>
+          <p:nvPr>
+            <p:ph type="sldImg"/>
+          </p:nvPr>
+        </p:nvSpPr>
+        <p:spPr/>
+      </p:sp>
+      <p:sp>
+        <p:nvSpPr>
+          <p:cNvPr id="3" name="Notes Placeholder 2"/>
+          <p:cNvSpPr>
+            <a:spLocks noGrp="1"/>
+          </p:cNvSpPr>
+          <p:nvPr>
+            <p:ph type="body" idx="1"/>
+          </p:nvPr>
+        </p:nvSpPr>
+        <p:spPr/>
+        <p:txBody>
+          <a:bodyPr/>
+          <a:lstStyle/>
+          <a:p>
+            <a:r>
+              <a:rPr lang="en-GB" dirty="0"/>
+              <a:t>https://</a:t>
+            </a:r>
+            <a:r>
+              <a:rPr lang="en-GB" dirty="0" err="1"/>
+              <a:t>github.com</a:t>
+            </a:r>
+            <a:r>
+              <a:rPr lang="en-GB" dirty="0"/>
+              <a:t>/aurimas13/Python-Beginner-Course/blob/main/Programs/02_lecture_problem_no_3_LT.py</a:t>
+            </a:r>
+            <a:endParaRPr lang="en-LT" dirty="0"/>
+          </a:p>
+        </p:txBody>
+      </p:sp>
+      <p:sp>
+        <p:nvSpPr>
+          <p:cNvPr id="4" name="Slide Number Placeholder 3"/>
+          <p:cNvSpPr>
+            <a:spLocks noGrp="1"/>
+          </p:cNvSpPr>
+          <p:nvPr>
+            <p:ph type="sldNum" sz="quarter" idx="5"/>
+          </p:nvPr>
+        </p:nvSpPr>
+        <p:spPr/>
+        <p:txBody>
+          <a:bodyPr/>
+          <a:lstStyle/>
+          <a:p>
+            <a:fld id="{7CFAD278-23F3-3441-9F35-2DADD7772E03}" type="slidenum">
+              <a:rPr lang="en-LT" smtClean="0"/>
+              <a:t>25</a:t>
+            </a:fld>
+            <a:endParaRPr lang="en-LT"/>
+          </a:p>
+        </p:txBody>
+      </p:sp>
+    </p:spTree>
+    <p:extLst>
+      <p:ext uri="{BB962C8B-B14F-4D97-AF65-F5344CB8AC3E}">
+        <p14:creationId xmlns:p14="http://schemas.microsoft.com/office/powerpoint/2010/main" val="3487055864"/>
+      </p:ext>
+    </p:extLst>
+  </p:cSld>
+  <p:clrMapOvr>
+    <a:masterClrMapping/>
+  </p:clrMapOvr>
+</p:notes>
+</file>
+
+<file path=ppt/notesSlides/notesSlide26.xml><?xml version="1.0" encoding="utf-8"?>
+<p:notes xmlns:a="http://schemas.openxmlformats.org/drawingml/2006/main" xmlns:r="http://schemas.openxmlformats.org/officeDocument/2006/relationships" xmlns:p="http://schemas.openxmlformats.org/presentationml/2006/main">
+  <p:cSld>
+    <p:spTree>
+      <p:nvGrpSpPr>
+        <p:cNvPr id="1" name=""/>
+        <p:cNvGrpSpPr/>
+        <p:nvPr/>
+      </p:nvGrpSpPr>
+      <p:grpSpPr>
+        <a:xfrm>
+          <a:off x="0" y="0"/>
+          <a:ext cx="0" cy="0"/>
+          <a:chOff x="0" y="0"/>
+          <a:chExt cx="0" cy="0"/>
+        </a:xfrm>
+      </p:grpSpPr>
+      <p:sp>
+        <p:nvSpPr>
+          <p:cNvPr id="2" name="Slide Image Placeholder 1"/>
+          <p:cNvSpPr>
+            <a:spLocks noGrp="1" noRot="1" noChangeAspect="1"/>
+          </p:cNvSpPr>
+          <p:nvPr>
+            <p:ph type="sldImg"/>
+          </p:nvPr>
+        </p:nvSpPr>
+        <p:spPr/>
+      </p:sp>
+      <p:sp>
+        <p:nvSpPr>
+          <p:cNvPr id="3" name="Notes Placeholder 2"/>
+          <p:cNvSpPr>
+            <a:spLocks noGrp="1"/>
+          </p:cNvSpPr>
+          <p:nvPr>
+            <p:ph type="body" idx="1"/>
+          </p:nvPr>
+        </p:nvSpPr>
+        <p:spPr/>
+        <p:txBody>
+          <a:bodyPr/>
+          <a:lstStyle/>
+          <a:p>
+            <a:r>
+              <a:rPr lang="en-GB" dirty="0"/>
+              <a:t>https://</a:t>
+            </a:r>
+            <a:r>
+              <a:rPr lang="en-GB" dirty="0" err="1"/>
+              <a:t>github.com</a:t>
+            </a:r>
+            <a:r>
+              <a:rPr lang="en-GB" dirty="0"/>
+              <a:t>/aurimas13/Python-Beginner-Course/blob/main/Programs/02_lecture_problem_no_4_LT.py</a:t>
+            </a:r>
+            <a:endParaRPr lang="en-LT" dirty="0"/>
+          </a:p>
+        </p:txBody>
+      </p:sp>
+      <p:sp>
+        <p:nvSpPr>
+          <p:cNvPr id="4" name="Slide Number Placeholder 3"/>
+          <p:cNvSpPr>
+            <a:spLocks noGrp="1"/>
+          </p:cNvSpPr>
+          <p:nvPr>
+            <p:ph type="sldNum" sz="quarter" idx="5"/>
+          </p:nvPr>
+        </p:nvSpPr>
+        <p:spPr/>
+        <p:txBody>
+          <a:bodyPr/>
+          <a:lstStyle/>
+          <a:p>
+            <a:fld id="{7CFAD278-23F3-3441-9F35-2DADD7772E03}" type="slidenum">
+              <a:rPr lang="en-LT" smtClean="0"/>
+              <a:t>26</a:t>
+            </a:fld>
+            <a:endParaRPr lang="en-LT"/>
+          </a:p>
+        </p:txBody>
+      </p:sp>
+    </p:spTree>
+    <p:extLst>
+      <p:ext uri="{BB962C8B-B14F-4D97-AF65-F5344CB8AC3E}">
+        <p14:creationId xmlns:p14="http://schemas.microsoft.com/office/powerpoint/2010/main" val="3424762389"/>
+      </p:ext>
+    </p:extLst>
+  </p:cSld>
+  <p:clrMapOvr>
+    <a:masterClrMapping/>
+  </p:clrMapOvr>
+</p:notes>
+</file>
+
+<file path=ppt/notesSlides/notesSlide27.xml><?xml version="1.0" encoding="utf-8"?>
+<p:notes xmlns:a="http://schemas.openxmlformats.org/drawingml/2006/main" xmlns:r="http://schemas.openxmlformats.org/officeDocument/2006/relationships" xmlns:p="http://schemas.openxmlformats.org/presentationml/2006/main">
+  <p:cSld>
+    <p:spTree>
+      <p:nvGrpSpPr>
+        <p:cNvPr id="1" name=""/>
+        <p:cNvGrpSpPr/>
+        <p:nvPr/>
+      </p:nvGrpSpPr>
+      <p:grpSpPr>
+        <a:xfrm>
+          <a:off x="0" y="0"/>
+          <a:ext cx="0" cy="0"/>
+          <a:chOff x="0" y="0"/>
+          <a:chExt cx="0" cy="0"/>
+        </a:xfrm>
+      </p:grpSpPr>
+      <p:sp>
+        <p:nvSpPr>
+          <p:cNvPr id="2" name="Slide Image Placeholder 1"/>
+          <p:cNvSpPr>
+            <a:spLocks noGrp="1" noRot="1" noChangeAspect="1"/>
+          </p:cNvSpPr>
+          <p:nvPr>
+            <p:ph type="sldImg"/>
+          </p:nvPr>
+        </p:nvSpPr>
+        <p:spPr/>
+      </p:sp>
+      <p:sp>
+        <p:nvSpPr>
+          <p:cNvPr id="3" name="Notes Placeholder 2"/>
+          <p:cNvSpPr>
+            <a:spLocks noGrp="1"/>
+          </p:cNvSpPr>
+          <p:nvPr>
+            <p:ph type="body" idx="1"/>
+          </p:nvPr>
+        </p:nvSpPr>
+        <p:spPr/>
+        <p:txBody>
+          <a:bodyPr/>
+          <a:lstStyle/>
+          <a:p>
+            <a:r>
+              <a:rPr lang="en-GB" dirty="0"/>
+              <a:t>https://</a:t>
+            </a:r>
+            <a:r>
+              <a:rPr lang="en-GB" dirty="0" err="1"/>
+              <a:t>github.com</a:t>
+            </a:r>
+            <a:r>
+              <a:rPr lang="en-GB" dirty="0"/>
+              <a:t>/aurimas13/Python-Beginner-Course/blob/main/Programs/02_lecture_problem_no_5_LT.py</a:t>
+            </a:r>
+            <a:endParaRPr lang="en-LT" dirty="0"/>
+          </a:p>
+        </p:txBody>
+      </p:sp>
+      <p:sp>
+        <p:nvSpPr>
+          <p:cNvPr id="4" name="Slide Number Placeholder 3"/>
+          <p:cNvSpPr>
+            <a:spLocks noGrp="1"/>
+          </p:cNvSpPr>
+          <p:nvPr>
+            <p:ph type="sldNum" sz="quarter" idx="5"/>
+          </p:nvPr>
+        </p:nvSpPr>
+        <p:spPr/>
+        <p:txBody>
+          <a:bodyPr/>
+          <a:lstStyle/>
+          <a:p>
+            <a:fld id="{7CFAD278-23F3-3441-9F35-2DADD7772E03}" type="slidenum">
+              <a:rPr lang="en-LT" smtClean="0"/>
+              <a:t>27</a:t>
+            </a:fld>
+            <a:endParaRPr lang="en-LT"/>
+          </a:p>
+        </p:txBody>
+      </p:sp>
+    </p:spTree>
+    <p:extLst>
+      <p:ext uri="{BB962C8B-B14F-4D97-AF65-F5344CB8AC3E}">
+        <p14:creationId xmlns:p14="http://schemas.microsoft.com/office/powerpoint/2010/main" val="1607076335"/>
+      </p:ext>
+    </p:extLst>
+  </p:cSld>
+  <p:clrMapOvr>
+    <a:masterClrMapping/>
+  </p:clrMapOvr>
+</p:notes>
+</file>
+
+<file path=ppt/notesSlides/notesSlide28.xml><?xml version="1.0" encoding="utf-8"?>
+<p:notes xmlns:a="http://schemas.openxmlformats.org/drawingml/2006/main" xmlns:r="http://schemas.openxmlformats.org/officeDocument/2006/relationships" xmlns:p="http://schemas.openxmlformats.org/presentationml/2006/main">
+  <p:cSld>
+    <p:spTree>
+      <p:nvGrpSpPr>
+        <p:cNvPr id="1" name=""/>
+        <p:cNvGrpSpPr/>
+        <p:nvPr/>
+      </p:nvGrpSpPr>
+      <p:grpSpPr>
+        <a:xfrm>
+          <a:off x="0" y="0"/>
+          <a:ext cx="0" cy="0"/>
+          <a:chOff x="0" y="0"/>
+          <a:chExt cx="0" cy="0"/>
+        </a:xfrm>
+      </p:grpSpPr>
+      <p:sp>
+        <p:nvSpPr>
+          <p:cNvPr id="2" name="Slide Image Placeholder 1"/>
+          <p:cNvSpPr>
+            <a:spLocks noGrp="1" noRot="1" noChangeAspect="1"/>
+          </p:cNvSpPr>
+          <p:nvPr>
+            <p:ph type="sldImg"/>
+          </p:nvPr>
+        </p:nvSpPr>
+        <p:spPr/>
+      </p:sp>
+      <p:sp>
+        <p:nvSpPr>
+          <p:cNvPr id="3" name="Notes Placeholder 2"/>
+          <p:cNvSpPr>
+            <a:spLocks noGrp="1"/>
+          </p:cNvSpPr>
+          <p:nvPr>
+            <p:ph type="body" idx="1"/>
+          </p:nvPr>
+        </p:nvSpPr>
+        <p:spPr/>
+        <p:txBody>
+          <a:bodyPr/>
+          <a:lstStyle/>
+          <a:p>
+            <a:r>
+              <a:rPr lang="en-GB" dirty="0"/>
+              <a:t>https://</a:t>
+            </a:r>
+            <a:r>
+              <a:rPr lang="en-GB" dirty="0" err="1"/>
+              <a:t>github.com</a:t>
+            </a:r>
+            <a:r>
+              <a:rPr lang="en-GB"/>
+              <a:t>/aurimas13/Python-Beginner-Course/blob/main/Programs/02_lecture_problem_no_6_LT.py</a:t>
+            </a:r>
+            <a:endParaRPr lang="en-LT"/>
+          </a:p>
+        </p:txBody>
+      </p:sp>
+      <p:sp>
+        <p:nvSpPr>
+          <p:cNvPr id="4" name="Slide Number Placeholder 3"/>
+          <p:cNvSpPr>
+            <a:spLocks noGrp="1"/>
+          </p:cNvSpPr>
+          <p:nvPr>
+            <p:ph type="sldNum" sz="quarter" idx="5"/>
+          </p:nvPr>
+        </p:nvSpPr>
+        <p:spPr/>
+        <p:txBody>
+          <a:bodyPr/>
+          <a:lstStyle/>
+          <a:p>
+            <a:fld id="{7CFAD278-23F3-3441-9F35-2DADD7772E03}" type="slidenum">
+              <a:rPr lang="en-LT" smtClean="0"/>
+              <a:t>28</a:t>
+            </a:fld>
+            <a:endParaRPr lang="en-LT"/>
+          </a:p>
+        </p:txBody>
+      </p:sp>
+    </p:spTree>
+    <p:extLst>
+      <p:ext uri="{BB962C8B-B14F-4D97-AF65-F5344CB8AC3E}">
+        <p14:creationId xmlns:p14="http://schemas.microsoft.com/office/powerpoint/2010/main" val="1310709215"/>
       </p:ext>
     </p:extLst>
   </p:cSld>
@@ -33052,7 +33628,7 @@
           <p:nvPr/>
         </p:nvPicPr>
         <p:blipFill>
-          <a:blip r:embed="rId2"/>
+          <a:blip r:embed="rId3"/>
           <a:stretch/>
         </p:blipFill>
         <p:spPr>
@@ -33114,7 +33690,7 @@
               </a:spcBef>
             </a:pPr>
             <a:r>
-              <a:rPr lang="lt-LT" sz="1400" b="0" strike="noStrike" spc="-1">
+              <a:rPr lang="lt-LT" sz="1400" b="0" strike="noStrike" spc="-1" dirty="0">
                 <a:solidFill>
                   <a:srgbClr val="000000"/>
                 </a:solidFill>
@@ -33123,7 +33699,7 @@
               </a:rPr>
               <a:t>Sukurti norimą sąrašą ir žodyną ir juose:</a:t>
             </a:r>
-            <a:endParaRPr lang="lt-LT" sz="1400" b="0" strike="noStrike" spc="-1">
+            <a:endParaRPr lang="lt-LT" sz="1400" b="0" strike="noStrike" spc="-1" dirty="0">
               <a:latin typeface="Arial"/>
             </a:endParaRPr>
           </a:p>
@@ -33142,7 +33718,7 @@
               <a:buChar char="•"/>
             </a:pPr>
             <a:r>
-              <a:rPr lang="lt-LT" sz="1400" b="0" strike="noStrike" spc="-1">
+              <a:rPr lang="lt-LT" sz="1400" b="0" strike="noStrike" spc="-1" dirty="0">
                 <a:solidFill>
                   <a:srgbClr val="000000"/>
                 </a:solidFill>
@@ -33151,7 +33727,7 @@
               </a:rPr>
               <a:t>Atspausdinti vieną norimą įrašą</a:t>
             </a:r>
-            <a:endParaRPr lang="lt-LT" sz="1400" b="0" strike="noStrike" spc="-1">
+            <a:endParaRPr lang="lt-LT" sz="1400" b="0" strike="noStrike" spc="-1" dirty="0">
               <a:latin typeface="Arial"/>
             </a:endParaRPr>
           </a:p>
@@ -33170,7 +33746,7 @@
               <a:buChar char="•"/>
             </a:pPr>
             <a:r>
-              <a:rPr lang="lt-LT" sz="1400" b="0" strike="noStrike" spc="-1">
+              <a:rPr lang="lt-LT" sz="1400" b="0" strike="noStrike" spc="-1" dirty="0">
                 <a:solidFill>
                   <a:srgbClr val="000000"/>
                 </a:solidFill>
@@ -33179,7 +33755,7 @@
               </a:rPr>
               <a:t>Pridėti įrašą</a:t>
             </a:r>
-            <a:endParaRPr lang="lt-LT" sz="1400" b="0" strike="noStrike" spc="-1">
+            <a:endParaRPr lang="lt-LT" sz="1400" b="0" strike="noStrike" spc="-1" dirty="0">
               <a:latin typeface="Arial"/>
             </a:endParaRPr>
           </a:p>
@@ -33198,7 +33774,7 @@
               <a:buChar char="•"/>
             </a:pPr>
             <a:r>
-              <a:rPr lang="lt-LT" sz="1400" b="0" strike="noStrike" spc="-1">
+              <a:rPr lang="lt-LT" sz="1400" b="0" strike="noStrike" spc="-1" dirty="0">
                 <a:solidFill>
                   <a:srgbClr val="000000"/>
                 </a:solidFill>
@@ -33207,7 +33783,7 @@
               </a:rPr>
               <a:t>Ištrinti įrašą</a:t>
             </a:r>
-            <a:endParaRPr lang="lt-LT" sz="1400" b="0" strike="noStrike" spc="-1">
+            <a:endParaRPr lang="lt-LT" sz="1400" b="0" strike="noStrike" spc="-1" dirty="0">
               <a:latin typeface="Arial"/>
             </a:endParaRPr>
           </a:p>
@@ -33226,7 +33802,7 @@
               <a:buChar char="•"/>
             </a:pPr>
             <a:r>
-              <a:rPr lang="lt-LT" sz="1400" b="0" strike="noStrike" spc="-1">
+              <a:rPr lang="lt-LT" sz="1400" b="0" strike="noStrike" spc="-1" dirty="0">
                 <a:solidFill>
                   <a:srgbClr val="000000"/>
                 </a:solidFill>
@@ -33235,7 +33811,7 @@
               </a:rPr>
               <a:t>pakeisti įrašą</a:t>
             </a:r>
-            <a:endParaRPr lang="lt-LT" sz="1400" b="0" strike="noStrike" spc="-1">
+            <a:endParaRPr lang="lt-LT" sz="1400" b="0" strike="noStrike" spc="-1" dirty="0">
               <a:latin typeface="Arial"/>
             </a:endParaRPr>
           </a:p>
@@ -33249,16 +33825,96 @@
               </a:spcBef>
             </a:pPr>
             <a:r>
-              <a:rPr lang="lt-LT" sz="1400" b="0" strike="noStrike" spc="-1">
+              <a:rPr lang="lt-LT" sz="1400" b="0" strike="noStrike" spc="-1" dirty="0">
                 <a:solidFill>
                   <a:srgbClr val="000000"/>
                 </a:solidFill>
                 <a:latin typeface="Arial"/>
                 <a:ea typeface="Arial"/>
               </a:rPr>
-              <a:t>Išbandyti kitas sąrašų ir žodynų funkcijas: clear(), index(), insert(), remove...</a:t>
-            </a:r>
-            <a:endParaRPr lang="lt-LT" sz="1400" b="0" strike="noStrike" spc="-1">
+              <a:t>Išbandyti kitas sąrašų ir žodynų funkcijas: </a:t>
+            </a:r>
+            <a:r>
+              <a:rPr lang="lt-LT" sz="1400" b="0" strike="noStrike" spc="-1" dirty="0" err="1">
+                <a:solidFill>
+                  <a:srgbClr val="000000"/>
+                </a:solidFill>
+                <a:latin typeface="Arial"/>
+                <a:ea typeface="Arial"/>
+              </a:rPr>
+              <a:t>clear</a:t>
+            </a:r>
+            <a:r>
+              <a:rPr lang="lt-LT" sz="1400" b="0" strike="noStrike" spc="-1" dirty="0">
+                <a:solidFill>
+                  <a:srgbClr val="000000"/>
+                </a:solidFill>
+                <a:latin typeface="Arial"/>
+                <a:ea typeface="Arial"/>
+              </a:rPr>
+              <a:t>(), </a:t>
+            </a:r>
+            <a:r>
+              <a:rPr lang="lt-LT" sz="1400" b="0" strike="noStrike" spc="-1" dirty="0" err="1">
+                <a:solidFill>
+                  <a:srgbClr val="000000"/>
+                </a:solidFill>
+                <a:latin typeface="Arial"/>
+                <a:ea typeface="Arial"/>
+              </a:rPr>
+              <a:t>index</a:t>
+            </a:r>
+            <a:r>
+              <a:rPr lang="lt-LT" sz="1400" b="0" strike="noStrike" spc="-1" dirty="0">
+                <a:solidFill>
+                  <a:srgbClr val="000000"/>
+                </a:solidFill>
+                <a:latin typeface="Arial"/>
+                <a:ea typeface="Arial"/>
+              </a:rPr>
+              <a:t>(), </a:t>
+            </a:r>
+            <a:r>
+              <a:rPr lang="lt-LT" sz="1400" b="0" strike="noStrike" spc="-1" dirty="0" err="1">
+                <a:solidFill>
+                  <a:srgbClr val="000000"/>
+                </a:solidFill>
+                <a:latin typeface="Arial"/>
+                <a:ea typeface="Arial"/>
+              </a:rPr>
+              <a:t>insert</a:t>
+            </a:r>
+            <a:r>
+              <a:rPr lang="lt-LT" sz="1400" b="0" strike="noStrike" spc="-1" dirty="0">
+                <a:solidFill>
+                  <a:srgbClr val="000000"/>
+                </a:solidFill>
+                <a:latin typeface="Arial"/>
+                <a:ea typeface="Arial"/>
+              </a:rPr>
+              <a:t>(), </a:t>
+            </a:r>
+            <a:r>
+              <a:rPr lang="lt-LT" sz="1400" b="0" strike="noStrike" spc="-1" dirty="0" err="1">
+                <a:solidFill>
+                  <a:srgbClr val="000000"/>
+                </a:solidFill>
+                <a:latin typeface="Arial"/>
+                <a:ea typeface="Arial"/>
+              </a:rPr>
+              <a:t>remove</a:t>
+            </a:r>
+            <a:r>
+              <a:rPr lang="lt-LT" sz="1400" b="0" strike="noStrike" spc="-1" dirty="0">
+                <a:solidFill>
+                  <a:srgbClr val="000000"/>
+                </a:solidFill>
+                <a:latin typeface="Arial"/>
+                <a:ea typeface="Arial"/>
+              </a:rPr>
+              <a:t>...</a:t>
+            </a:r>
+            <a:endParaRPr lang="lt-LT" sz="1400" b="0" strike="noStrike" spc="-1" dirty="0">
               <a:latin typeface="Arial"/>
             </a:endParaRPr>
           </a:p>
@@ -33272,19 +33928,19 @@
               </a:spcBef>
             </a:pPr>
             <a:r>
-              <a:rPr lang="lt-LT" sz="1400" b="0" u="sng" strike="noStrike" spc="-1">
+              <a:rPr lang="lt-LT" sz="1400" b="0" u="sng" strike="noStrike" spc="-1" dirty="0">
                 <a:solidFill>
                   <a:srgbClr val="0000FF"/>
                 </a:solidFill>
                 <a:uFillTx/>
                 <a:latin typeface="Arial"/>
                 <a:ea typeface="Arial"/>
-                <a:hlinkClick r:id="rId3"/>
+                <a:hlinkClick r:id="rId4"/>
               </a:rPr>
               <a:t>https://www.w3schools.com/python/python_ref_list.asp</a:t>
             </a:r>
             <a:r>
-              <a:rPr lang="lt-LT" sz="1400" b="0" strike="noStrike" spc="-1">
+              <a:rPr lang="lt-LT" sz="1400" b="0" strike="noStrike" spc="-1" dirty="0">
                 <a:solidFill>
                   <a:srgbClr val="000000"/>
                 </a:solidFill>
@@ -33293,7 +33949,7 @@
               </a:rPr>
               <a:t> </a:t>
             </a:r>
-            <a:endParaRPr lang="lt-LT" sz="1400" b="0" strike="noStrike" spc="-1">
+            <a:endParaRPr lang="lt-LT" sz="1400" b="0" strike="noStrike" spc="-1" dirty="0">
               <a:latin typeface="Arial"/>
             </a:endParaRPr>
           </a:p>
@@ -33307,18 +33963,18 @@
               </a:spcBef>
             </a:pPr>
             <a:r>
-              <a:rPr lang="lt-LT" sz="1400" b="0" u="sng" strike="noStrike" spc="-1">
+              <a:rPr lang="lt-LT" sz="1400" b="0" u="sng" strike="noStrike" spc="-1" dirty="0">
                 <a:solidFill>
                   <a:srgbClr val="0000FF"/>
                 </a:solidFill>
                 <a:uFillTx/>
                 <a:latin typeface="Arial"/>
                 <a:ea typeface="Arial"/>
-                <a:hlinkClick r:id="rId4"/>
+                <a:hlinkClick r:id="rId5"/>
               </a:rPr>
               <a:t>https://www.w3schools.com/python/python_ref_dictionary.asp</a:t>
             </a:r>
-            <a:endParaRPr lang="lt-LT" sz="1400" b="0" strike="noStrike" spc="-1">
+            <a:endParaRPr lang="lt-LT" sz="1400" b="0" strike="noStrike" spc="-1" dirty="0">
               <a:latin typeface="Arial"/>
             </a:endParaRPr>
           </a:p>
@@ -33331,7 +33987,7 @@
                 <a:spcPts val="1001"/>
               </a:spcBef>
             </a:pPr>
-            <a:endParaRPr lang="lt-LT" sz="1400" b="0" strike="noStrike" spc="-1">
+            <a:endParaRPr lang="lt-LT" sz="1400" b="0" strike="noStrike" spc="-1" dirty="0">
               <a:latin typeface="Arial"/>
             </a:endParaRPr>
           </a:p>
@@ -33576,7 +34232,7 @@
           <p:nvPr/>
         </p:nvPicPr>
         <p:blipFill>
-          <a:blip r:embed="rId2"/>
+          <a:blip r:embed="rId3"/>
           <a:stretch/>
         </p:blipFill>
         <p:spPr>
@@ -33638,7 +34294,7 @@
               </a:spcBef>
             </a:pPr>
             <a:r>
-              <a:rPr lang="lt-LT" sz="1400" b="0" strike="noStrike" spc="-1">
+              <a:rPr lang="lt-LT" sz="1400" b="0" strike="noStrike" spc="-1" dirty="0">
                 <a:solidFill>
                   <a:srgbClr val="000000"/>
                 </a:solidFill>
@@ -33647,7 +34303,7 @@
               </a:rPr>
               <a:t>Parašyti programą, kuri:</a:t>
             </a:r>
-            <a:endParaRPr lang="lt-LT" sz="1400" b="0" strike="noStrike" spc="-1">
+            <a:endParaRPr lang="lt-LT" sz="1400" b="0" strike="noStrike" spc="-1" dirty="0">
               <a:latin typeface="Arial"/>
             </a:endParaRPr>
           </a:p>
@@ -33666,7 +34322,7 @@
               <a:buChar char="•"/>
             </a:pPr>
             <a:r>
-              <a:rPr lang="lt-LT" sz="1400" b="0" strike="noStrike" spc="-1">
+              <a:rPr lang="lt-LT" sz="1400" b="0" strike="noStrike" spc="-1" dirty="0">
                 <a:solidFill>
                   <a:srgbClr val="000000"/>
                 </a:solidFill>
@@ -33675,7 +34331,7 @@
               </a:rPr>
               <a:t>Leistų vartotojui įvesti skaičių.</a:t>
             </a:r>
-            <a:endParaRPr lang="lt-LT" sz="1400" b="0" strike="noStrike" spc="-1">
+            <a:endParaRPr lang="lt-LT" sz="1400" b="0" strike="noStrike" spc="-1" dirty="0">
               <a:latin typeface="Arial"/>
             </a:endParaRPr>
           </a:p>
@@ -33694,7 +34350,7 @@
               <a:buChar char="•"/>
             </a:pPr>
             <a:r>
-              <a:rPr lang="lt-LT" sz="1400" b="0" strike="noStrike" spc="-1">
+              <a:rPr lang="lt-LT" sz="1400" b="0" strike="noStrike" spc="-1" dirty="0">
                 <a:solidFill>
                   <a:srgbClr val="000000"/>
                 </a:solidFill>
@@ -33703,7 +34359,7 @@
               </a:rPr>
               <a:t>Jei įvestas skaičius yra teigiamas, paprašyti įvesti dar vieną skaičių</a:t>
             </a:r>
-            <a:endParaRPr lang="lt-LT" sz="1400" b="0" strike="noStrike" spc="-1">
+            <a:endParaRPr lang="lt-LT" sz="1400" b="0" strike="noStrike" spc="-1" dirty="0">
               <a:latin typeface="Arial"/>
             </a:endParaRPr>
           </a:p>
@@ -33722,7 +34378,7 @@
               <a:buChar char="•"/>
             </a:pPr>
             <a:r>
-              <a:rPr lang="lt-LT" sz="1400" b="0" strike="noStrike" spc="-1">
+              <a:rPr lang="lt-LT" sz="1400" b="0" strike="noStrike" spc="-1" dirty="0">
                 <a:solidFill>
                   <a:srgbClr val="000000"/>
                 </a:solidFill>
@@ -33731,7 +34387,7 @@
               </a:rPr>
               <a:t>Jei įvestas skaičius neigiamas, nutraukti programą ir atspausdinti visų įvestų teigiamų skaičių sumą</a:t>
             </a:r>
-            <a:endParaRPr lang="lt-LT" sz="1400" b="0" strike="noStrike" spc="-1">
+            <a:endParaRPr lang="lt-LT" sz="1400" b="0" strike="noStrike" spc="-1" dirty="0">
               <a:latin typeface="Arial"/>
             </a:endParaRPr>
           </a:p>
@@ -33745,16 +34401,66 @@
               </a:spcBef>
             </a:pPr>
             <a:r>
-              <a:rPr lang="lt-LT" sz="1400" b="0" strike="noStrike" spc="-1">
+              <a:rPr lang="lt-LT" sz="1400" b="0" strike="noStrike" spc="-1" dirty="0">
                 <a:solidFill>
                   <a:srgbClr val="000000"/>
                 </a:solidFill>
                 <a:latin typeface="Arial"/>
                 <a:ea typeface="Arial"/>
               </a:rPr>
-              <a:t>Patarimas: Naudoti ciklą while, sąlygą if, break</a:t>
-            </a:r>
-            <a:endParaRPr lang="lt-LT" sz="1400" b="0" strike="noStrike" spc="-1">
+              <a:t>Patarimas: Naudoti ciklą </a:t>
+            </a:r>
+            <a:r>
+              <a:rPr lang="lt-LT" sz="1400" b="0" strike="noStrike" spc="-1" dirty="0" err="1">
+                <a:solidFill>
+                  <a:srgbClr val="000000"/>
+                </a:solidFill>
+                <a:latin typeface="Arial"/>
+                <a:ea typeface="Arial"/>
+              </a:rPr>
+              <a:t>while</a:t>
+            </a:r>
+            <a:r>
+              <a:rPr lang="lt-LT" sz="1400" b="0" strike="noStrike" spc="-1" dirty="0">
+                <a:solidFill>
+                  <a:srgbClr val="000000"/>
+                </a:solidFill>
+                <a:latin typeface="Arial"/>
+                <a:ea typeface="Arial"/>
+              </a:rPr>
+              <a:t>, sąlygą </a:t>
+            </a:r>
+            <a:r>
+              <a:rPr lang="lt-LT" sz="1400" b="0" strike="noStrike" spc="-1" dirty="0" err="1">
+                <a:solidFill>
+                  <a:srgbClr val="000000"/>
+                </a:solidFill>
+                <a:latin typeface="Arial"/>
+                <a:ea typeface="Arial"/>
+              </a:rPr>
+              <a:t>if</a:t>
+            </a:r>
+            <a:r>
+              <a:rPr lang="lt-LT" sz="1400" b="0" strike="noStrike" spc="-1" dirty="0">
+                <a:solidFill>
+                  <a:srgbClr val="000000"/>
+                </a:solidFill>
+                <a:latin typeface="Arial"/>
+                <a:ea typeface="Arial"/>
+              </a:rPr>
+              <a:t>, </a:t>
+            </a:r>
+            <a:r>
+              <a:rPr lang="lt-LT" sz="1400" b="0" strike="noStrike" spc="-1" dirty="0" err="1">
+                <a:solidFill>
+                  <a:srgbClr val="000000"/>
+                </a:solidFill>
+                <a:latin typeface="Arial"/>
+                <a:ea typeface="Arial"/>
+              </a:rPr>
+              <a:t>break</a:t>
+            </a:r>
+            <a:endParaRPr lang="lt-LT" sz="1400" b="0" strike="noStrike" spc="-1" dirty="0">
               <a:latin typeface="Arial"/>
             </a:endParaRPr>
           </a:p>
@@ -33767,7 +34473,7 @@
                 <a:spcPts val="1001"/>
               </a:spcBef>
             </a:pPr>
-            <a:endParaRPr lang="lt-LT" sz="1400" b="0" strike="noStrike" spc="-1">
+            <a:endParaRPr lang="lt-LT" sz="1400" b="0" strike="noStrike" spc="-1" dirty="0">
               <a:latin typeface="Arial"/>
             </a:endParaRPr>
           </a:p>
@@ -34012,7 +34718,7 @@
           <p:nvPr/>
         </p:nvPicPr>
         <p:blipFill>
-          <a:blip r:embed="rId2"/>
+          <a:blip r:embed="rId3"/>
           <a:stretch/>
         </p:blipFill>
         <p:spPr>
@@ -34074,7 +34780,7 @@
               </a:spcBef>
             </a:pPr>
             <a:r>
-              <a:rPr lang="lt-LT" sz="1400" b="0" strike="noStrike" spc="-1">
+              <a:rPr lang="lt-LT" sz="1400" b="0" strike="noStrike" spc="-1" dirty="0">
                 <a:solidFill>
                   <a:srgbClr val="000000"/>
                 </a:solidFill>
@@ -34083,7 +34789,7 @@
               </a:rPr>
               <a:t>Sukurti programą, kuri:</a:t>
             </a:r>
-            <a:endParaRPr lang="lt-LT" sz="1400" b="0" strike="noStrike" spc="-1">
+            <a:endParaRPr lang="lt-LT" sz="1400" b="0" strike="noStrike" spc="-1" dirty="0">
               <a:latin typeface="Arial"/>
             </a:endParaRPr>
           </a:p>
@@ -34102,7 +34808,7 @@
               <a:buChar char="•"/>
             </a:pPr>
             <a:r>
-              <a:rPr lang="lt-LT" sz="1400" b="0" strike="noStrike" spc="-1">
+              <a:rPr lang="lt-LT" sz="1400" b="0" strike="noStrike" spc="-1" dirty="0">
                 <a:solidFill>
                   <a:srgbClr val="000000"/>
                 </a:solidFill>
@@ -34111,7 +34817,7 @@
               </a:rPr>
               <a:t>Leistų vartotojui įvesti 5 žodžius</a:t>
             </a:r>
-            <a:endParaRPr lang="lt-LT" sz="1400" b="0" strike="noStrike" spc="-1">
+            <a:endParaRPr lang="lt-LT" sz="1400" b="0" strike="noStrike" spc="-1" dirty="0">
               <a:latin typeface="Arial"/>
             </a:endParaRPr>
           </a:p>
@@ -34130,7 +34836,7 @@
               <a:buChar char="•"/>
             </a:pPr>
             <a:r>
-              <a:rPr lang="lt-LT" sz="1400" b="0" strike="noStrike" spc="-1">
+              <a:rPr lang="lt-LT" sz="1400" b="0" strike="noStrike" spc="-1" dirty="0">
                 <a:solidFill>
                   <a:srgbClr val="000000"/>
                 </a:solidFill>
@@ -34139,7 +34845,7 @@
               </a:rPr>
               <a:t>Pridėtų įvestus žodžius į sąrašą</a:t>
             </a:r>
-            <a:endParaRPr lang="lt-LT" sz="1400" b="0" strike="noStrike" spc="-1">
+            <a:endParaRPr lang="lt-LT" sz="1400" b="0" strike="noStrike" spc="-1" dirty="0">
               <a:latin typeface="Arial"/>
             </a:endParaRPr>
           </a:p>
@@ -34158,7 +34864,7 @@
               <a:buChar char="•"/>
             </a:pPr>
             <a:r>
-              <a:rPr lang="lt-LT" sz="1400" b="0" strike="noStrike" spc="-1">
+              <a:rPr lang="lt-LT" sz="1400" b="0" strike="noStrike" spc="-1" dirty="0">
                 <a:solidFill>
                   <a:srgbClr val="000000"/>
                 </a:solidFill>
@@ -34167,7 +34873,7 @@
               </a:rPr>
               <a:t>Atspausdintų kiekvieną žodį, jo ilgį ir eilės numerį sąraše (nuo 1)</a:t>
             </a:r>
-            <a:endParaRPr lang="lt-LT" sz="1400" b="0" strike="noStrike" spc="-1">
+            <a:endParaRPr lang="lt-LT" sz="1400" b="0" strike="noStrike" spc="-1" dirty="0">
               <a:latin typeface="Arial"/>
             </a:endParaRPr>
           </a:p>
@@ -34181,7 +34887,7 @@
               </a:spcBef>
             </a:pPr>
             <a:r>
-              <a:rPr lang="lt-LT" sz="1400" b="0" strike="noStrike" spc="-1">
+              <a:rPr lang="lt-LT" sz="1400" b="0" strike="noStrike" spc="-1" dirty="0">
                 <a:solidFill>
                   <a:srgbClr val="000000"/>
                 </a:solidFill>
@@ -34190,7 +34896,7 @@
               </a:rPr>
               <a:t>Sudėtingiau: kad programa leistų įvesti norimą žodžių kiekį</a:t>
             </a:r>
-            <a:endParaRPr lang="lt-LT" sz="1400" b="0" strike="noStrike" spc="-1">
+            <a:endParaRPr lang="lt-LT" sz="1400" b="0" strike="noStrike" spc="-1" dirty="0">
               <a:latin typeface="Arial"/>
             </a:endParaRPr>
           </a:p>
@@ -34204,16 +34910,86 @@
               </a:spcBef>
             </a:pPr>
             <a:r>
-              <a:rPr lang="lt-LT" sz="1400" b="0" strike="noStrike" spc="-1">
+              <a:rPr lang="lt-LT" sz="1400" b="0" strike="noStrike" spc="-1" dirty="0">
                 <a:solidFill>
                   <a:srgbClr val="000000"/>
                 </a:solidFill>
                 <a:latin typeface="Arial"/>
                 <a:ea typeface="Arial"/>
               </a:rPr>
-              <a:t>Patarimas: Naudoti sąrašą (list), ciklą for, funkcijas len ir index</a:t>
-            </a:r>
-            <a:endParaRPr lang="lt-LT" sz="1400" b="0" strike="noStrike" spc="-1">
+              <a:t>Patarimas: Naudoti sąrašą (</a:t>
+            </a:r>
+            <a:r>
+              <a:rPr lang="lt-LT" sz="1400" b="0" strike="noStrike" spc="-1" dirty="0" err="1">
+                <a:solidFill>
+                  <a:srgbClr val="000000"/>
+                </a:solidFill>
+                <a:latin typeface="Arial"/>
+                <a:ea typeface="Arial"/>
+              </a:rPr>
+              <a:t>list</a:t>
+            </a:r>
+            <a:r>
+              <a:rPr lang="lt-LT" sz="1400" b="0" strike="noStrike" spc="-1" dirty="0">
+                <a:solidFill>
+                  <a:srgbClr val="000000"/>
+                </a:solidFill>
+                <a:latin typeface="Arial"/>
+                <a:ea typeface="Arial"/>
+              </a:rPr>
+              <a:t>), ciklą </a:t>
+            </a:r>
+            <a:r>
+              <a:rPr lang="lt-LT" sz="1400" b="0" strike="noStrike" spc="-1" dirty="0" err="1">
+                <a:solidFill>
+                  <a:srgbClr val="000000"/>
+                </a:solidFill>
+                <a:latin typeface="Arial"/>
+                <a:ea typeface="Arial"/>
+              </a:rPr>
+              <a:t>for</a:t>
+            </a:r>
+            <a:r>
+              <a:rPr lang="lt-LT" sz="1400" b="0" strike="noStrike" spc="-1" dirty="0">
+                <a:solidFill>
+                  <a:srgbClr val="000000"/>
+                </a:solidFill>
+                <a:latin typeface="Arial"/>
+                <a:ea typeface="Arial"/>
+              </a:rPr>
+              <a:t>, funkcijas </a:t>
+            </a:r>
+            <a:r>
+              <a:rPr lang="lt-LT" sz="1400" b="0" strike="noStrike" spc="-1" dirty="0" err="1">
+                <a:solidFill>
+                  <a:srgbClr val="000000"/>
+                </a:solidFill>
+                <a:latin typeface="Arial"/>
+                <a:ea typeface="Arial"/>
+              </a:rPr>
+              <a:t>len</a:t>
+            </a:r>
+            <a:r>
+              <a:rPr lang="lt-LT" sz="1400" b="0" strike="noStrike" spc="-1" dirty="0">
+                <a:solidFill>
+                  <a:srgbClr val="000000"/>
+                </a:solidFill>
+                <a:latin typeface="Arial"/>
+                <a:ea typeface="Arial"/>
+              </a:rPr>
+              <a:t> ir </a:t>
+            </a:r>
+            <a:r>
+              <a:rPr lang="lt-LT" sz="1400" b="0" strike="noStrike" spc="-1" dirty="0" err="1">
+                <a:solidFill>
+                  <a:srgbClr val="000000"/>
+                </a:solidFill>
+                <a:latin typeface="Arial"/>
+                <a:ea typeface="Arial"/>
+              </a:rPr>
+              <a:t>index</a:t>
+            </a:r>
+            <a:endParaRPr lang="lt-LT" sz="1400" b="0" strike="noStrike" spc="-1" dirty="0">
               <a:latin typeface="Arial"/>
             </a:endParaRPr>
           </a:p>
@@ -34226,7 +35002,7 @@
                 <a:spcPts val="1001"/>
               </a:spcBef>
             </a:pPr>
-            <a:endParaRPr lang="lt-LT" sz="1400" b="0" strike="noStrike" spc="-1">
+            <a:endParaRPr lang="lt-LT" sz="1400" b="0" strike="noStrike" spc="-1" dirty="0">
               <a:latin typeface="Arial"/>
             </a:endParaRPr>
           </a:p>
@@ -34471,7 +35247,7 @@
           <p:nvPr/>
         </p:nvPicPr>
         <p:blipFill>
-          <a:blip r:embed="rId2"/>
+          <a:blip r:embed="rId3"/>
           <a:stretch/>
         </p:blipFill>
         <p:spPr>
@@ -34533,7 +35309,7 @@
               </a:spcBef>
             </a:pPr>
             <a:r>
-              <a:rPr lang="lt-LT" sz="1400" b="0" strike="noStrike" spc="-1">
+              <a:rPr lang="lt-LT" sz="1400" b="0" strike="noStrike" spc="-1" dirty="0">
                 <a:solidFill>
                   <a:srgbClr val="000000"/>
                 </a:solidFill>
@@ -34542,7 +35318,7 @@
               </a:rPr>
               <a:t>Sukurti programą, kuri:</a:t>
             </a:r>
-            <a:endParaRPr lang="lt-LT" sz="1400" b="0" strike="noStrike" spc="-1">
+            <a:endParaRPr lang="lt-LT" sz="1400" b="0" strike="noStrike" spc="-1" dirty="0">
               <a:latin typeface="Arial"/>
             </a:endParaRPr>
           </a:p>
@@ -34561,7 +35337,7 @@
               <a:buChar char="•"/>
             </a:pPr>
             <a:r>
-              <a:rPr lang="lt-LT" sz="1400" b="0" strike="noStrike" spc="-1">
+              <a:rPr lang="lt-LT" sz="1400" b="0" strike="noStrike" spc="-1" dirty="0">
                 <a:solidFill>
                   <a:srgbClr val="000000"/>
                 </a:solidFill>
@@ -34570,7 +35346,7 @@
               </a:rPr>
               <a:t>Sugeneruotų tris atsitiktinius skaičius nuo 1 iki 6</a:t>
             </a:r>
-            <a:endParaRPr lang="lt-LT" sz="1400" b="0" strike="noStrike" spc="-1">
+            <a:endParaRPr lang="lt-LT" sz="1400" b="0" strike="noStrike" spc="-1" dirty="0">
               <a:latin typeface="Arial"/>
             </a:endParaRPr>
           </a:p>
@@ -34589,7 +35365,7 @@
               <a:buChar char="•"/>
             </a:pPr>
             <a:r>
-              <a:rPr lang="lt-LT" sz="1400" b="0" strike="noStrike" spc="-1">
+              <a:rPr lang="lt-LT" sz="1400" b="0" strike="noStrike" spc="-1" dirty="0">
                 <a:solidFill>
                   <a:srgbClr val="000000"/>
                 </a:solidFill>
@@ -34598,7 +35374,7 @@
               </a:rPr>
               <a:t>Jei vienas iš šių skaičių yra 5, atspausdinti „Pralaimėjai...“</a:t>
             </a:r>
-            <a:endParaRPr lang="lt-LT" sz="1400" b="0" strike="noStrike" spc="-1">
+            <a:endParaRPr lang="lt-LT" sz="1400" b="0" strike="noStrike" spc="-1" dirty="0">
               <a:latin typeface="Arial"/>
             </a:endParaRPr>
           </a:p>
@@ -34617,7 +35393,7 @@
               <a:buChar char="•"/>
             </a:pPr>
             <a:r>
-              <a:rPr lang="lt-LT" sz="1400" b="0" strike="noStrike" spc="-1">
+              <a:rPr lang="lt-LT" sz="1400" b="0" strike="noStrike" spc="-1" dirty="0">
                 <a:solidFill>
                   <a:srgbClr val="000000"/>
                 </a:solidFill>
@@ -34626,7 +35402,7 @@
               </a:rPr>
               <a:t>Kitu atveju atspausdinti „Laimėjai!“</a:t>
             </a:r>
-            <a:endParaRPr lang="lt-LT" sz="1400" b="0" strike="noStrike" spc="-1">
+            <a:endParaRPr lang="lt-LT" sz="1400" b="0" strike="noStrike" spc="-1" dirty="0">
               <a:latin typeface="Arial"/>
             </a:endParaRPr>
           </a:p>
@@ -34640,16 +35416,126 @@
               </a:spcBef>
             </a:pPr>
             <a:r>
-              <a:rPr lang="lt-LT" sz="1400" b="0" strike="noStrike" spc="-1">
+              <a:rPr lang="lt-LT" sz="1400" b="0" strike="noStrike" spc="-1" dirty="0">
                 <a:solidFill>
                   <a:srgbClr val="000000"/>
                 </a:solidFill>
                 <a:latin typeface="Arial"/>
                 <a:ea typeface="Arial"/>
               </a:rPr>
-              <a:t>Patarimas: Naudoti while ciklą, funkciją random.randint (import random), else, break</a:t>
-            </a:r>
-            <a:endParaRPr lang="lt-LT" sz="1400" b="0" strike="noStrike" spc="-1">
+              <a:t>Patarimas: Naudoti </a:t>
+            </a:r>
+            <a:r>
+              <a:rPr lang="lt-LT" sz="1400" b="0" strike="noStrike" spc="-1" dirty="0" err="1">
+                <a:solidFill>
+                  <a:srgbClr val="000000"/>
+                </a:solidFill>
+                <a:latin typeface="Arial"/>
+                <a:ea typeface="Arial"/>
+              </a:rPr>
+              <a:t>while</a:t>
+            </a:r>
+            <a:r>
+              <a:rPr lang="lt-LT" sz="1400" b="0" strike="noStrike" spc="-1" dirty="0">
+                <a:solidFill>
+                  <a:srgbClr val="000000"/>
+                </a:solidFill>
+                <a:latin typeface="Arial"/>
+                <a:ea typeface="Arial"/>
+              </a:rPr>
+              <a:t> ciklą, funkciją </a:t>
+            </a:r>
+            <a:r>
+              <a:rPr lang="lt-LT" sz="1400" b="0" strike="noStrike" spc="-1" dirty="0" err="1">
+                <a:solidFill>
+                  <a:srgbClr val="000000"/>
+                </a:solidFill>
+                <a:latin typeface="Arial"/>
+                <a:ea typeface="Arial"/>
+              </a:rPr>
+              <a:t>random.randint</a:t>
+            </a:r>
+            <a:r>
+              <a:rPr lang="lt-LT" sz="1400" b="0" strike="noStrike" spc="-1" dirty="0">
+                <a:solidFill>
+                  <a:srgbClr val="000000"/>
+                </a:solidFill>
+                <a:latin typeface="Arial"/>
+                <a:ea typeface="Arial"/>
+              </a:rPr>
+              <a:t> (</a:t>
+            </a:r>
+            <a:r>
+              <a:rPr lang="lt-LT" sz="1400" b="0" strike="noStrike" spc="-1" dirty="0" err="1">
+                <a:solidFill>
+                  <a:srgbClr val="000000"/>
+                </a:solidFill>
+                <a:latin typeface="Arial"/>
+                <a:ea typeface="Arial"/>
+              </a:rPr>
+              <a:t>import</a:t>
+            </a:r>
+            <a:r>
+              <a:rPr lang="lt-LT" sz="1400" b="0" strike="noStrike" spc="-1" dirty="0">
+                <a:solidFill>
+                  <a:srgbClr val="000000"/>
+                </a:solidFill>
+                <a:latin typeface="Arial"/>
+                <a:ea typeface="Arial"/>
+              </a:rPr>
+              <a:t> </a:t>
+            </a:r>
+            <a:r>
+              <a:rPr lang="lt-LT" sz="1400" b="0" strike="noStrike" spc="-1" dirty="0" err="1">
+                <a:solidFill>
+                  <a:srgbClr val="000000"/>
+                </a:solidFill>
+                <a:latin typeface="Arial"/>
+                <a:ea typeface="Arial"/>
+              </a:rPr>
+              <a:t>random</a:t>
+            </a:r>
+            <a:r>
+              <a:rPr lang="lt-LT" sz="1400" b="0" strike="noStrike" spc="-1" dirty="0">
+                <a:solidFill>
+                  <a:srgbClr val="000000"/>
+                </a:solidFill>
+                <a:latin typeface="Arial"/>
+                <a:ea typeface="Arial"/>
+              </a:rPr>
+              <a:t>), </a:t>
+            </a:r>
+            <a:r>
+              <a:rPr lang="lt-LT" sz="1400" b="0" strike="noStrike" spc="-1" dirty="0" err="1">
+                <a:solidFill>
+                  <a:srgbClr val="000000"/>
+                </a:solidFill>
+                <a:latin typeface="Arial"/>
+                <a:ea typeface="Arial"/>
+              </a:rPr>
+              <a:t>else</a:t>
+            </a:r>
+            <a:r>
+              <a:rPr lang="lt-LT" sz="1400" b="0" strike="noStrike" spc="-1" dirty="0">
+                <a:solidFill>
+                  <a:srgbClr val="000000"/>
+                </a:solidFill>
+                <a:latin typeface="Arial"/>
+                <a:ea typeface="Arial"/>
+              </a:rPr>
+              <a:t>, </a:t>
+            </a:r>
+            <a:r>
+              <a:rPr lang="lt-LT" sz="1400" b="0" strike="noStrike" spc="-1" dirty="0" err="1">
+                <a:solidFill>
+                  <a:srgbClr val="000000"/>
+                </a:solidFill>
+                <a:latin typeface="Arial"/>
+                <a:ea typeface="Arial"/>
+              </a:rPr>
+              <a:t>break</a:t>
+            </a:r>
+            <a:endParaRPr lang="lt-LT" sz="1400" b="0" strike="noStrike" spc="-1" dirty="0">
               <a:latin typeface="Arial"/>
             </a:endParaRPr>
           </a:p>
@@ -34662,7 +35548,7 @@
                 <a:spcPts val="1001"/>
               </a:spcBef>
             </a:pPr>
-            <a:endParaRPr lang="lt-LT" sz="1400" b="0" strike="noStrike" spc="-1">
+            <a:endParaRPr lang="lt-LT" sz="1400" b="0" strike="noStrike" spc="-1" dirty="0">
               <a:latin typeface="Arial"/>
             </a:endParaRPr>
           </a:p>
@@ -34907,7 +35793,7 @@
           <p:nvPr/>
         </p:nvPicPr>
         <p:blipFill>
-          <a:blip r:embed="rId2"/>
+          <a:blip r:embed="rId3"/>
           <a:stretch/>
         </p:blipFill>
         <p:spPr>
@@ -35356,7 +36242,7 @@
           <p:nvPr/>
         </p:nvPicPr>
         <p:blipFill>
-          <a:blip r:embed="rId2"/>
+          <a:blip r:embed="rId3"/>
           <a:stretch/>
         </p:blipFill>
         <p:spPr>
@@ -39300,6 +40186,15 @@
 </file>
 
 <file path=customXml/item1.xml><?xml version="1.0" encoding="utf-8"?>
+<?mso-contentType ?>
+<FormTemplates xmlns="http://schemas.microsoft.com/sharepoint/v3/contenttype/forms">
+  <Display>DocumentLibraryForm</Display>
+  <Edit>DocumentLibraryForm</Edit>
+  <New>DocumentLibraryForm</New>
+</FormTemplates>
+</file>
+
+<file path=customXml/item2.xml><?xml version="1.0" encoding="utf-8"?>
 <ct:contentTypeSchema xmlns:ct="http://schemas.microsoft.com/office/2006/metadata/contentType" xmlns:ma="http://schemas.microsoft.com/office/2006/metadata/properties/metaAttributes" ct:_="" ma:_="" ma:contentTypeName="Document" ma:contentTypeID="0x0101009ACC98F71C7CEB499EFDC29467EAFC60" ma:contentTypeVersion="4" ma:contentTypeDescription="Create a new document." ma:contentTypeScope="" ma:versionID="1b603e3d1fae27ba48417e9b4473873b">
   <xsd:schema xmlns:xsd="http://www.w3.org/2001/XMLSchema" xmlns:xs="http://www.w3.org/2001/XMLSchema" xmlns:p="http://schemas.microsoft.com/office/2006/metadata/properties" xmlns:ns2="e94fbb91-2895-466f-9cdd-164826e0ab54" xmlns:ns3="62f0fa9f-d35e-4a7f-aed7-55df17063d92" targetNamespace="http://schemas.microsoft.com/office/2006/metadata/properties" ma:root="true" ma:fieldsID="c26caae4013b136b651f3e9e939e87d5" ns2:_="" ns3:_="">
     <xsd:import namespace="e94fbb91-2895-466f-9cdd-164826e0ab54"/>
@@ -39464,15 +40359,6 @@
 </ct:contentTypeSchema>
 </file>
 
-<file path=customXml/item2.xml><?xml version="1.0" encoding="utf-8"?>
-<?mso-contentType ?>
-<FormTemplates xmlns="http://schemas.microsoft.com/sharepoint/v3/contenttype/forms">
-  <Display>DocumentLibraryForm</Display>
-  <Edit>DocumentLibraryForm</Edit>
-  <New>DocumentLibraryForm</New>
-</FormTemplates>
-</file>
-
 <file path=customXml/item3.xml><?xml version="1.0" encoding="utf-8"?>
 <p:properties xmlns:p="http://schemas.microsoft.com/office/2006/metadata/properties" xmlns:xsi="http://www.w3.org/2001/XMLSchema-instance" xmlns:pc="http://schemas.microsoft.com/office/infopath/2007/PartnerControls">
   <documentManagement/>
@@ -39480,6 +40366,14 @@
 </file>
 
 <file path=customXml/itemProps1.xml><?xml version="1.0" encoding="utf-8"?>
+<ds:datastoreItem xmlns:ds="http://schemas.openxmlformats.org/officeDocument/2006/customXml" ds:itemID="{2FDD5055-9CB5-41F3-AF15-84F37E5BB0AF}">
+  <ds:schemaRefs>
+    <ds:schemaRef ds:uri="http://schemas.microsoft.com/sharepoint/v3/contenttype/forms"/>
+  </ds:schemaRefs>
+</ds:datastoreItem>
+</file>
+
+<file path=customXml/itemProps2.xml><?xml version="1.0" encoding="utf-8"?>
 <ds:datastoreItem xmlns:ds="http://schemas.openxmlformats.org/officeDocument/2006/customXml" ds:itemID="{C161F9BD-9708-4C8F-A900-8C433229D605}">
   <ds:schemaRefs>
     <ds:schemaRef ds:uri="http://schemas.microsoft.com/office/2006/metadata/contentType"/>
@@ -39498,14 +40392,6 @@
 </ds:datastoreItem>
 </file>
 
-<file path=customXml/itemProps2.xml><?xml version="1.0" encoding="utf-8"?>
-<ds:datastoreItem xmlns:ds="http://schemas.openxmlformats.org/officeDocument/2006/customXml" ds:itemID="{2FDD5055-9CB5-41F3-AF15-84F37E5BB0AF}">
-  <ds:schemaRefs>
-    <ds:schemaRef ds:uri="http://schemas.microsoft.com/sharepoint/v3/contenttype/forms"/>
-  </ds:schemaRefs>
-</ds:datastoreItem>
-</file>
-
 <file path=customXml/itemProps3.xml><?xml version="1.0" encoding="utf-8"?>
 <ds:datastoreItem xmlns:ds="http://schemas.openxmlformats.org/officeDocument/2006/customXml" ds:itemID="{9184A4B1-EE8B-43EA-9C40-1C930349ADDB}">
   <ds:schemaRefs>

--- a/Lectures/02_paskaita (Masyvai, ciklai).pptx
+++ b/Lectures/02_paskaita (Masyvai, ciklai).pptx
@@ -40186,12 +40186,9 @@
 </file>
 
 <file path=customXml/item1.xml><?xml version="1.0" encoding="utf-8"?>
-<?mso-contentType ?>
-<FormTemplates xmlns="http://schemas.microsoft.com/sharepoint/v3/contenttype/forms">
-  <Display>DocumentLibraryForm</Display>
-  <Edit>DocumentLibraryForm</Edit>
-  <New>DocumentLibraryForm</New>
-</FormTemplates>
+<p:properties xmlns:p="http://schemas.microsoft.com/office/2006/metadata/properties" xmlns:xsi="http://www.w3.org/2001/XMLSchema-instance" xmlns:pc="http://schemas.microsoft.com/office/infopath/2007/PartnerControls">
+  <documentManagement/>
+</p:properties>
 </file>
 
 <file path=customXml/item2.xml><?xml version="1.0" encoding="utf-8"?>
@@ -40360,15 +40357,19 @@
 </file>
 
 <file path=customXml/item3.xml><?xml version="1.0" encoding="utf-8"?>
-<p:properties xmlns:p="http://schemas.microsoft.com/office/2006/metadata/properties" xmlns:xsi="http://www.w3.org/2001/XMLSchema-instance" xmlns:pc="http://schemas.microsoft.com/office/infopath/2007/PartnerControls">
-  <documentManagement/>
-</p:properties>
+<?mso-contentType ?>
+<FormTemplates xmlns="http://schemas.microsoft.com/sharepoint/v3/contenttype/forms">
+  <Display>DocumentLibraryForm</Display>
+  <Edit>DocumentLibraryForm</Edit>
+  <New>DocumentLibraryForm</New>
+</FormTemplates>
 </file>
 
 <file path=customXml/itemProps1.xml><?xml version="1.0" encoding="utf-8"?>
-<ds:datastoreItem xmlns:ds="http://schemas.openxmlformats.org/officeDocument/2006/customXml" ds:itemID="{2FDD5055-9CB5-41F3-AF15-84F37E5BB0AF}">
+<ds:datastoreItem xmlns:ds="http://schemas.openxmlformats.org/officeDocument/2006/customXml" ds:itemID="{9184A4B1-EE8B-43EA-9C40-1C930349ADDB}">
   <ds:schemaRefs>
-    <ds:schemaRef ds:uri="http://schemas.microsoft.com/sharepoint/v3/contenttype/forms"/>
+    <ds:schemaRef ds:uri="http://schemas.microsoft.com/office/2006/metadata/properties"/>
+    <ds:schemaRef ds:uri="http://schemas.microsoft.com/office/infopath/2007/PartnerControls"/>
   </ds:schemaRefs>
 </ds:datastoreItem>
 </file>
@@ -40393,10 +40394,9 @@
 </file>
 
 <file path=customXml/itemProps3.xml><?xml version="1.0" encoding="utf-8"?>
-<ds:datastoreItem xmlns:ds="http://schemas.openxmlformats.org/officeDocument/2006/customXml" ds:itemID="{9184A4B1-EE8B-43EA-9C40-1C930349ADDB}">
+<ds:datastoreItem xmlns:ds="http://schemas.openxmlformats.org/officeDocument/2006/customXml" ds:itemID="{2FDD5055-9CB5-41F3-AF15-84F37E5BB0AF}">
   <ds:schemaRefs>
-    <ds:schemaRef ds:uri="http://schemas.microsoft.com/office/2006/metadata/properties"/>
-    <ds:schemaRef ds:uri="http://schemas.microsoft.com/office/infopath/2007/PartnerControls"/>
+    <ds:schemaRef ds:uri="http://schemas.microsoft.com/sharepoint/v3/contenttype/forms"/>
   </ds:schemaRefs>
 </ds:datastoreItem>
 </file>